--- a/Presentation/Презентация.pptx
+++ b/Presentation/Презентация.pptx
@@ -13696,7 +13696,7 @@
       <dgm:spPr/>
     </dgm:pt>
     <dgm:pt modelId="{DC01A9D4-C246-47BD-9776-F3F328B37427}" type="pres">
-      <dgm:prSet presAssocID="{2A3AB33B-A7F7-4921-BDBB-D33FAA8EE669}" presName="parentText" presStyleLbl="alignNode1" presStyleIdx="0" presStyleCnt="1">
+      <dgm:prSet presAssocID="{2A3AB33B-A7F7-4921-BDBB-D33FAA8EE669}" presName="parentText" presStyleLbl="alignNode1" presStyleIdx="0" presStyleCnt="1" custLinFactNeighborY="931">
         <dgm:presLayoutVars>
           <dgm:chMax val="1"/>
           <dgm:bulletEnabled val="1"/>
@@ -42408,13 +42408,13 @@
           <p:nvPr>
             <p:extLst>
               <p:ext uri="{D42A27DB-BD31-4B8C-83A1-F6EECF244321}">
-                <p14:modId xmlns:p14="http://schemas.microsoft.com/office/powerpoint/2010/main" val="3675553017"/>
+                <p14:modId xmlns:p14="http://schemas.microsoft.com/office/powerpoint/2010/main" val="3907297810"/>
               </p:ext>
             </p:extLst>
           </p:nvPr>
         </p:nvGraphicFramePr>
         <p:xfrm>
-          <a:off x="1547122" y="3440640"/>
+          <a:off x="1547122" y="3478188"/>
           <a:ext cx="8246956" cy="885298"/>
         </p:xfrm>
         <a:graphic>
